--- a/classes/summer2024/lecture2.pptx
+++ b/classes/summer2024/lecture2.pptx
@@ -110,6 +110,11 @@
       </a:defRPr>
     </a:lvl9pPr>
   </p:defaultTextStyle>
+  <p:extLst>
+    <p:ext uri="{EFAFB233-063F-42B5-8137-9DF3F51BA10A}">
+      <p15:sldGuideLst xmlns:p15="http://schemas.microsoft.com/office/powerpoint/2012/main"/>
+    </p:ext>
+  </p:extLst>
 </p:presentation>
 </file>
 
@@ -3716,307 +3721,6 @@
           </a:p>
         </p:txBody>
       </p:sp>
-      <p:sp>
-        <p:nvSpPr>
-          <p:cNvPr id="13" name="TextBox 12">
-            <a:extLst>
-              <a:ext uri="{FF2B5EF4-FFF2-40B4-BE49-F238E27FC236}">
-                <a16:creationId xmlns:a16="http://schemas.microsoft.com/office/drawing/2014/main" id="{6F764870-5D71-CA5B-F20F-B4AAFC779B14}"/>
-              </a:ext>
-            </a:extLst>
-          </p:cNvPr>
-          <p:cNvSpPr txBox="1"/>
-          <p:nvPr/>
-        </p:nvSpPr>
-        <p:spPr>
-          <a:xfrm>
-            <a:off x="496432" y="2962505"/>
-            <a:ext cx="1781321" cy="646331"/>
-          </a:xfrm>
-          <a:prstGeom prst="rect">
-            <a:avLst/>
-          </a:prstGeom>
-          <a:noFill/>
-        </p:spPr>
-        <p:txBody>
-          <a:bodyPr wrap="none" rtlCol="0">
-            <a:spAutoFit/>
-          </a:bodyPr>
-          <a:lstStyle/>
-          <a:p>
-            <a:r>
-              <a:rPr lang="en-US" dirty="0"/>
-              <a:t>Input layer</a:t>
-            </a:r>
-          </a:p>
-          <a:p>
-            <a:r>
-              <a:rPr lang="en-US" dirty="0"/>
-              <a:t>(28*28 neurons)</a:t>
-            </a:r>
-          </a:p>
-        </p:txBody>
-      </p:sp>
-      <p:cxnSp>
-        <p:nvCxnSpPr>
-          <p:cNvPr id="14" name="Straight Arrow Connector 13">
-            <a:extLst>
-              <a:ext uri="{FF2B5EF4-FFF2-40B4-BE49-F238E27FC236}">
-                <a16:creationId xmlns:a16="http://schemas.microsoft.com/office/drawing/2014/main" id="{C4BC9C19-09E6-B052-BAF5-B04A43272361}"/>
-              </a:ext>
-            </a:extLst>
-          </p:cNvPr>
-          <p:cNvCxnSpPr/>
-          <p:nvPr/>
-        </p:nvCxnSpPr>
-        <p:spPr>
-          <a:xfrm>
-            <a:off x="2560622" y="3270324"/>
-            <a:ext cx="633742" cy="0"/>
-          </a:xfrm>
-          <a:prstGeom prst="straightConnector1">
-            <a:avLst/>
-          </a:prstGeom>
-          <a:ln>
-            <a:tailEnd type="triangle"/>
-          </a:ln>
-        </p:spPr>
-        <p:style>
-          <a:lnRef idx="2">
-            <a:schemeClr val="accent1"/>
-          </a:lnRef>
-          <a:fillRef idx="0">
-            <a:schemeClr val="accent1"/>
-          </a:fillRef>
-          <a:effectRef idx="1">
-            <a:schemeClr val="accent1"/>
-          </a:effectRef>
-          <a:fontRef idx="minor">
-            <a:schemeClr val="tx1"/>
-          </a:fontRef>
-        </p:style>
-      </p:cxnSp>
-      <p:sp>
-        <p:nvSpPr>
-          <p:cNvPr id="15" name="TextBox 14">
-            <a:extLst>
-              <a:ext uri="{FF2B5EF4-FFF2-40B4-BE49-F238E27FC236}">
-                <a16:creationId xmlns:a16="http://schemas.microsoft.com/office/drawing/2014/main" id="{1DF529B9-DB4A-4B21-6037-A704F0AB778F}"/>
-              </a:ext>
-            </a:extLst>
-          </p:cNvPr>
-          <p:cNvSpPr txBox="1"/>
-          <p:nvPr/>
-        </p:nvSpPr>
-        <p:spPr>
-          <a:xfrm>
-            <a:off x="3357330" y="2962508"/>
-            <a:ext cx="1440523" cy="646331"/>
-          </a:xfrm>
-          <a:prstGeom prst="rect">
-            <a:avLst/>
-          </a:prstGeom>
-          <a:noFill/>
-        </p:spPr>
-        <p:txBody>
-          <a:bodyPr wrap="none" rtlCol="0">
-            <a:spAutoFit/>
-          </a:bodyPr>
-          <a:lstStyle/>
-          <a:p>
-            <a:r>
-              <a:rPr lang="en-US" dirty="0"/>
-              <a:t>Hidden layer</a:t>
-            </a:r>
-          </a:p>
-          <a:p>
-            <a:r>
-              <a:rPr lang="en-US" dirty="0"/>
-              <a:t>(64 neurons)</a:t>
-            </a:r>
-          </a:p>
-        </p:txBody>
-      </p:sp>
-      <p:cxnSp>
-        <p:nvCxnSpPr>
-          <p:cNvPr id="16" name="Straight Arrow Connector 15">
-            <a:extLst>
-              <a:ext uri="{FF2B5EF4-FFF2-40B4-BE49-F238E27FC236}">
-                <a16:creationId xmlns:a16="http://schemas.microsoft.com/office/drawing/2014/main" id="{B2231023-BD9C-A71D-157F-866665FF5514}"/>
-              </a:ext>
-            </a:extLst>
-          </p:cNvPr>
-          <p:cNvCxnSpPr/>
-          <p:nvPr/>
-        </p:nvCxnSpPr>
-        <p:spPr>
-          <a:xfrm>
-            <a:off x="5232903" y="3285670"/>
-            <a:ext cx="633742" cy="0"/>
-          </a:xfrm>
-          <a:prstGeom prst="straightConnector1">
-            <a:avLst/>
-          </a:prstGeom>
-          <a:ln>
-            <a:tailEnd type="triangle"/>
-          </a:ln>
-        </p:spPr>
-        <p:style>
-          <a:lnRef idx="2">
-            <a:schemeClr val="accent1"/>
-          </a:lnRef>
-          <a:fillRef idx="0">
-            <a:schemeClr val="accent1"/>
-          </a:fillRef>
-          <a:effectRef idx="1">
-            <a:schemeClr val="accent1"/>
-          </a:effectRef>
-          <a:fontRef idx="minor">
-            <a:schemeClr val="tx1"/>
-          </a:fontRef>
-        </p:style>
-      </p:cxnSp>
-      <p:sp>
-        <p:nvSpPr>
-          <p:cNvPr id="17" name="TextBox 16">
-            <a:extLst>
-              <a:ext uri="{FF2B5EF4-FFF2-40B4-BE49-F238E27FC236}">
-                <a16:creationId xmlns:a16="http://schemas.microsoft.com/office/drawing/2014/main" id="{E6F7C1DE-CB44-A9A7-158A-ACD94F3343D9}"/>
-              </a:ext>
-            </a:extLst>
-          </p:cNvPr>
-          <p:cNvSpPr txBox="1"/>
-          <p:nvPr/>
-        </p:nvSpPr>
-        <p:spPr>
-          <a:xfrm>
-            <a:off x="6091475" y="2935348"/>
-            <a:ext cx="1440523" cy="646331"/>
-          </a:xfrm>
-          <a:prstGeom prst="rect">
-            <a:avLst/>
-          </a:prstGeom>
-          <a:noFill/>
-        </p:spPr>
-        <p:txBody>
-          <a:bodyPr wrap="none" rtlCol="0">
-            <a:spAutoFit/>
-          </a:bodyPr>
-          <a:lstStyle/>
-          <a:p>
-            <a:r>
-              <a:rPr lang="en-US" dirty="0"/>
-              <a:t>Hidden layer</a:t>
-            </a:r>
-          </a:p>
-          <a:p>
-            <a:r>
-              <a:rPr lang="en-US" dirty="0"/>
-              <a:t>(2 neurons)</a:t>
-            </a:r>
-          </a:p>
-        </p:txBody>
-      </p:sp>
-      <p:cxnSp>
-        <p:nvCxnSpPr>
-          <p:cNvPr id="18" name="Straight Arrow Connector 17">
-            <a:extLst>
-              <a:ext uri="{FF2B5EF4-FFF2-40B4-BE49-F238E27FC236}">
-                <a16:creationId xmlns:a16="http://schemas.microsoft.com/office/drawing/2014/main" id="{AF539F92-6373-5CD3-C0FB-D413F3A12AF6}"/>
-              </a:ext>
-            </a:extLst>
-          </p:cNvPr>
-          <p:cNvCxnSpPr/>
-          <p:nvPr/>
-        </p:nvCxnSpPr>
-        <p:spPr>
-          <a:xfrm>
-            <a:off x="7630562" y="3286509"/>
-            <a:ext cx="633742" cy="0"/>
-          </a:xfrm>
-          <a:prstGeom prst="straightConnector1">
-            <a:avLst/>
-          </a:prstGeom>
-          <a:ln>
-            <a:tailEnd type="triangle"/>
-          </a:ln>
-        </p:spPr>
-        <p:style>
-          <a:lnRef idx="2">
-            <a:schemeClr val="accent1"/>
-          </a:lnRef>
-          <a:fillRef idx="0">
-            <a:schemeClr val="accent1"/>
-          </a:fillRef>
-          <a:effectRef idx="1">
-            <a:schemeClr val="accent1"/>
-          </a:effectRef>
-          <a:fontRef idx="minor">
-            <a:schemeClr val="tx1"/>
-          </a:fontRef>
-        </p:style>
-      </p:cxnSp>
-      <p:sp>
-        <p:nvSpPr>
-          <p:cNvPr id="19" name="TextBox 18">
-            <a:extLst>
-              <a:ext uri="{FF2B5EF4-FFF2-40B4-BE49-F238E27FC236}">
-                <a16:creationId xmlns:a16="http://schemas.microsoft.com/office/drawing/2014/main" id="{2A8AAD55-F56F-132C-4F09-A7E5EA19229A}"/>
-              </a:ext>
-            </a:extLst>
-          </p:cNvPr>
-          <p:cNvSpPr txBox="1"/>
-          <p:nvPr/>
-        </p:nvSpPr>
-        <p:spPr>
-          <a:xfrm>
-            <a:off x="8309573" y="2975505"/>
-            <a:ext cx="2659702" cy="646331"/>
-          </a:xfrm>
-          <a:prstGeom prst="rect">
-            <a:avLst/>
-          </a:prstGeom>
-          <a:noFill/>
-        </p:spPr>
-        <p:txBody>
-          <a:bodyPr wrap="none" rtlCol="0">
-            <a:spAutoFit/>
-          </a:bodyPr>
-          <a:lstStyle/>
-          <a:p>
-            <a:r>
-              <a:rPr lang="en-US" dirty="0">
-                <a:latin typeface="Arial" panose="020B0604020202020204" pitchFamily="34" charset="0"/>
-                <a:cs typeface="Arial" panose="020B0604020202020204" pitchFamily="34" charset="0"/>
-              </a:rPr>
-              <a:t>Output layer</a:t>
-            </a:r>
-          </a:p>
-          <a:p>
-            <a:r>
-              <a:rPr lang="en-US" dirty="0">
-                <a:latin typeface="Arial" panose="020B0604020202020204" pitchFamily="34" charset="0"/>
-                <a:cs typeface="Arial" panose="020B0604020202020204" pitchFamily="34" charset="0"/>
-              </a:rPr>
-              <a:t>(10 categories; </a:t>
-            </a:r>
-            <a:r>
-              <a:rPr lang="en-US" dirty="0" err="1">
-                <a:latin typeface="Arial" panose="020B0604020202020204" pitchFamily="34" charset="0"/>
-                <a:cs typeface="Arial" panose="020B0604020202020204" pitchFamily="34" charset="0"/>
-              </a:rPr>
-              <a:t>softmax</a:t>
-            </a:r>
-            <a:r>
-              <a:rPr lang="en-US" dirty="0">
-                <a:latin typeface="Arial" panose="020B0604020202020204" pitchFamily="34" charset="0"/>
-                <a:cs typeface="Arial" panose="020B0604020202020204" pitchFamily="34" charset="0"/>
-              </a:rPr>
-              <a:t>)</a:t>
-            </a:r>
-          </a:p>
-        </p:txBody>
-      </p:sp>
     </p:spTree>
     <p:extLst>
       <p:ext uri="{BB962C8B-B14F-4D97-AF65-F5344CB8AC3E}">
@@ -5456,8 +5160,8 @@
         </p:blipFill>
         <p:spPr>
           <a:xfrm>
-            <a:off x="434339" y="1062717"/>
-            <a:ext cx="6134101" cy="5720643"/>
+            <a:off x="122842" y="84942"/>
+            <a:ext cx="7119930" cy="6640024"/>
           </a:xfrm>
           <a:prstGeom prst="rect">
             <a:avLst/>
@@ -5568,8 +5272,8 @@
         </p:blipFill>
         <p:spPr>
           <a:xfrm>
-            <a:off x="878205" y="102870"/>
-            <a:ext cx="8286750" cy="5676900"/>
+            <a:off x="878204" y="102870"/>
+            <a:ext cx="9484031" cy="6497106"/>
           </a:xfrm>
           <a:prstGeom prst="rect">
             <a:avLst/>
